--- a/misc/logo_2.pptx
+++ b/misc/logo_2.pptx
@@ -243,7 +243,7 @@
           <a:p>
             <a:fld id="{DF3C4200-7145-4FA6-9B26-A8B78C591469}" type="datetimeFigureOut">
               <a:rPr lang="en-US" smtClean="0"/>
-              <a:t>3/7/2017</a:t>
+              <a:t>5/16/2017</a:t>
             </a:fld>
             <a:endParaRPr lang="en-US"/>
           </a:p>
@@ -413,7 +413,7 @@
           <a:p>
             <a:fld id="{DF3C4200-7145-4FA6-9B26-A8B78C591469}" type="datetimeFigureOut">
               <a:rPr lang="en-US" smtClean="0"/>
-              <a:t>3/7/2017</a:t>
+              <a:t>5/16/2017</a:t>
             </a:fld>
             <a:endParaRPr lang="en-US"/>
           </a:p>
@@ -593,7 +593,7 @@
           <a:p>
             <a:fld id="{DF3C4200-7145-4FA6-9B26-A8B78C591469}" type="datetimeFigureOut">
               <a:rPr lang="en-US" smtClean="0"/>
-              <a:t>3/7/2017</a:t>
+              <a:t>5/16/2017</a:t>
             </a:fld>
             <a:endParaRPr lang="en-US"/>
           </a:p>
@@ -763,7 +763,7 @@
           <a:p>
             <a:fld id="{DF3C4200-7145-4FA6-9B26-A8B78C591469}" type="datetimeFigureOut">
               <a:rPr lang="en-US" smtClean="0"/>
-              <a:t>3/7/2017</a:t>
+              <a:t>5/16/2017</a:t>
             </a:fld>
             <a:endParaRPr lang="en-US"/>
           </a:p>
@@ -1009,7 +1009,7 @@
           <a:p>
             <a:fld id="{DF3C4200-7145-4FA6-9B26-A8B78C591469}" type="datetimeFigureOut">
               <a:rPr lang="en-US" smtClean="0"/>
-              <a:t>3/7/2017</a:t>
+              <a:t>5/16/2017</a:t>
             </a:fld>
             <a:endParaRPr lang="en-US"/>
           </a:p>
@@ -1241,7 +1241,7 @@
           <a:p>
             <a:fld id="{DF3C4200-7145-4FA6-9B26-A8B78C591469}" type="datetimeFigureOut">
               <a:rPr lang="en-US" smtClean="0"/>
-              <a:t>3/7/2017</a:t>
+              <a:t>5/16/2017</a:t>
             </a:fld>
             <a:endParaRPr lang="en-US"/>
           </a:p>
@@ -1608,7 +1608,7 @@
           <a:p>
             <a:fld id="{DF3C4200-7145-4FA6-9B26-A8B78C591469}" type="datetimeFigureOut">
               <a:rPr lang="en-US" smtClean="0"/>
-              <a:t>3/7/2017</a:t>
+              <a:t>5/16/2017</a:t>
             </a:fld>
             <a:endParaRPr lang="en-US"/>
           </a:p>
@@ -1726,7 +1726,7 @@
           <a:p>
             <a:fld id="{DF3C4200-7145-4FA6-9B26-A8B78C591469}" type="datetimeFigureOut">
               <a:rPr lang="en-US" smtClean="0"/>
-              <a:t>3/7/2017</a:t>
+              <a:t>5/16/2017</a:t>
             </a:fld>
             <a:endParaRPr lang="en-US"/>
           </a:p>
@@ -1821,7 +1821,7 @@
           <a:p>
             <a:fld id="{DF3C4200-7145-4FA6-9B26-A8B78C591469}" type="datetimeFigureOut">
               <a:rPr lang="en-US" smtClean="0"/>
-              <a:t>3/7/2017</a:t>
+              <a:t>5/16/2017</a:t>
             </a:fld>
             <a:endParaRPr lang="en-US"/>
           </a:p>
@@ -2098,7 +2098,7 @@
           <a:p>
             <a:fld id="{DF3C4200-7145-4FA6-9B26-A8B78C591469}" type="datetimeFigureOut">
               <a:rPr lang="en-US" smtClean="0"/>
-              <a:t>3/7/2017</a:t>
+              <a:t>5/16/2017</a:t>
             </a:fld>
             <a:endParaRPr lang="en-US"/>
           </a:p>
@@ -2351,7 +2351,7 @@
           <a:p>
             <a:fld id="{DF3C4200-7145-4FA6-9B26-A8B78C591469}" type="datetimeFigureOut">
               <a:rPr lang="en-US" smtClean="0"/>
-              <a:t>3/7/2017</a:t>
+              <a:t>5/16/2017</a:t>
             </a:fld>
             <a:endParaRPr lang="en-US"/>
           </a:p>
@@ -2564,7 +2564,7 @@
           <a:p>
             <a:fld id="{DF3C4200-7145-4FA6-9B26-A8B78C591469}" type="datetimeFigureOut">
               <a:rPr lang="en-US" smtClean="0"/>
-              <a:t>3/7/2017</a:t>
+              <a:t>5/16/2017</a:t>
             </a:fld>
             <a:endParaRPr lang="en-US"/>
           </a:p>
@@ -3140,6 +3140,7 @@
           <a:prstGeom prst="rect">
             <a:avLst/>
           </a:prstGeom>
+          <a:noFill/>
           <a:effectLst>
             <a:softEdge rad="254000"/>
           </a:effectLst>
